--- a/progress.pptx
+++ b/progress.pptx
@@ -6,6 +6,7 @@
   </p:sldMasterIdLst>
   <p:sldIdLst>
     <p:sldId id="256" r:id="rId2"/>
+    <p:sldId id="257" r:id="rId3"/>
   </p:sldIdLst>
   <p:sldSz cx="12192000" cy="6858000"/>
   <p:notesSz cx="6858000" cy="9144000"/>
@@ -261,7 +262,7 @@
           <a:p>
             <a:fld id="{A70B401E-77DD-4D90-BB00-0797DF48F6BD}" type="datetimeFigureOut">
               <a:rPr lang="en-GB" smtClean="0"/>
-              <a:t>04/03/2024</a:t>
+              <a:t>05/03/2024</a:t>
             </a:fld>
             <a:endParaRPr lang="en-GB"/>
           </a:p>
@@ -461,7 +462,7 @@
           <a:p>
             <a:fld id="{A70B401E-77DD-4D90-BB00-0797DF48F6BD}" type="datetimeFigureOut">
               <a:rPr lang="en-GB" smtClean="0"/>
-              <a:t>04/03/2024</a:t>
+              <a:t>05/03/2024</a:t>
             </a:fld>
             <a:endParaRPr lang="en-GB"/>
           </a:p>
@@ -671,7 +672,7 @@
           <a:p>
             <a:fld id="{A70B401E-77DD-4D90-BB00-0797DF48F6BD}" type="datetimeFigureOut">
               <a:rPr lang="en-GB" smtClean="0"/>
-              <a:t>04/03/2024</a:t>
+              <a:t>05/03/2024</a:t>
             </a:fld>
             <a:endParaRPr lang="en-GB"/>
           </a:p>
@@ -871,7 +872,7 @@
           <a:p>
             <a:fld id="{A70B401E-77DD-4D90-BB00-0797DF48F6BD}" type="datetimeFigureOut">
               <a:rPr lang="en-GB" smtClean="0"/>
-              <a:t>04/03/2024</a:t>
+              <a:t>05/03/2024</a:t>
             </a:fld>
             <a:endParaRPr lang="en-GB"/>
           </a:p>
@@ -1147,7 +1148,7 @@
           <a:p>
             <a:fld id="{A70B401E-77DD-4D90-BB00-0797DF48F6BD}" type="datetimeFigureOut">
               <a:rPr lang="en-GB" smtClean="0"/>
-              <a:t>04/03/2024</a:t>
+              <a:t>05/03/2024</a:t>
             </a:fld>
             <a:endParaRPr lang="en-GB"/>
           </a:p>
@@ -1415,7 +1416,7 @@
           <a:p>
             <a:fld id="{A70B401E-77DD-4D90-BB00-0797DF48F6BD}" type="datetimeFigureOut">
               <a:rPr lang="en-GB" smtClean="0"/>
-              <a:t>04/03/2024</a:t>
+              <a:t>05/03/2024</a:t>
             </a:fld>
             <a:endParaRPr lang="en-GB"/>
           </a:p>
@@ -1830,7 +1831,7 @@
           <a:p>
             <a:fld id="{A70B401E-77DD-4D90-BB00-0797DF48F6BD}" type="datetimeFigureOut">
               <a:rPr lang="en-GB" smtClean="0"/>
-              <a:t>04/03/2024</a:t>
+              <a:t>05/03/2024</a:t>
             </a:fld>
             <a:endParaRPr lang="en-GB"/>
           </a:p>
@@ -1972,7 +1973,7 @@
           <a:p>
             <a:fld id="{A70B401E-77DD-4D90-BB00-0797DF48F6BD}" type="datetimeFigureOut">
               <a:rPr lang="en-GB" smtClean="0"/>
-              <a:t>04/03/2024</a:t>
+              <a:t>05/03/2024</a:t>
             </a:fld>
             <a:endParaRPr lang="en-GB"/>
           </a:p>
@@ -2085,7 +2086,7 @@
           <a:p>
             <a:fld id="{A70B401E-77DD-4D90-BB00-0797DF48F6BD}" type="datetimeFigureOut">
               <a:rPr lang="en-GB" smtClean="0"/>
-              <a:t>04/03/2024</a:t>
+              <a:t>05/03/2024</a:t>
             </a:fld>
             <a:endParaRPr lang="en-GB"/>
           </a:p>
@@ -2398,7 +2399,7 @@
           <a:p>
             <a:fld id="{A70B401E-77DD-4D90-BB00-0797DF48F6BD}" type="datetimeFigureOut">
               <a:rPr lang="en-GB" smtClean="0"/>
-              <a:t>04/03/2024</a:t>
+              <a:t>05/03/2024</a:t>
             </a:fld>
             <a:endParaRPr lang="en-GB"/>
           </a:p>
@@ -2687,7 +2688,7 @@
           <a:p>
             <a:fld id="{A70B401E-77DD-4D90-BB00-0797DF48F6BD}" type="datetimeFigureOut">
               <a:rPr lang="en-GB" smtClean="0"/>
-              <a:t>04/03/2024</a:t>
+              <a:t>05/03/2024</a:t>
             </a:fld>
             <a:endParaRPr lang="en-GB"/>
           </a:p>
@@ -2930,7 +2931,7 @@
           <a:p>
             <a:fld id="{A70B401E-77DD-4D90-BB00-0797DF48F6BD}" type="datetimeFigureOut">
               <a:rPr lang="en-GB" smtClean="0"/>
-              <a:t>04/03/2024</a:t>
+              <a:t>05/03/2024</a:t>
             </a:fld>
             <a:endParaRPr lang="en-GB"/>
           </a:p>
@@ -3600,6 +3601,158 @@
 </p:sld>
 </file>
 
+<file path=ppt/slides/slide2.xml><?xml version="1.0" encoding="utf-8"?>
+<p:sld xmlns:a="http://schemas.openxmlformats.org/drawingml/2006/main" xmlns:r="http://schemas.openxmlformats.org/officeDocument/2006/relationships" xmlns:p="http://schemas.openxmlformats.org/presentationml/2006/main">
+  <p:cSld>
+    <p:spTree>
+      <p:nvGrpSpPr>
+        <p:cNvPr id="1" name=""/>
+        <p:cNvGrpSpPr/>
+        <p:nvPr/>
+      </p:nvGrpSpPr>
+      <p:grpSpPr>
+        <a:xfrm>
+          <a:off x="0" y="0"/>
+          <a:ext cx="0" cy="0"/>
+          <a:chOff x="0" y="0"/>
+          <a:chExt cx="0" cy="0"/>
+        </a:xfrm>
+      </p:grpSpPr>
+      <p:sp>
+        <p:nvSpPr>
+          <p:cNvPr id="2" name="Title 1">
+            <a:extLst>
+              <a:ext uri="{FF2B5EF4-FFF2-40B4-BE49-F238E27FC236}">
+                <a16:creationId xmlns:a16="http://schemas.microsoft.com/office/drawing/2014/main" id="{1A80636A-0C49-432C-AACE-5232139EDEBE}"/>
+              </a:ext>
+            </a:extLst>
+          </p:cNvPr>
+          <p:cNvSpPr>
+            <a:spLocks noGrp="1"/>
+          </p:cNvSpPr>
+          <p:nvPr>
+            <p:ph type="title"/>
+          </p:nvPr>
+        </p:nvSpPr>
+        <p:spPr/>
+        <p:txBody>
+          <a:bodyPr/>
+          <a:lstStyle/>
+          <a:p>
+            <a:r>
+              <a:rPr lang="en-US" dirty="0"/>
+              <a:t>05/03/2024</a:t>
+            </a:r>
+            <a:endParaRPr lang="en-GB" dirty="0"/>
+          </a:p>
+        </p:txBody>
+      </p:sp>
+      <p:sp>
+        <p:nvSpPr>
+          <p:cNvPr id="3" name="Content Placeholder 2">
+            <a:extLst>
+              <a:ext uri="{FF2B5EF4-FFF2-40B4-BE49-F238E27FC236}">
+                <a16:creationId xmlns:a16="http://schemas.microsoft.com/office/drawing/2014/main" id="{8A0A9D07-B612-4F07-9008-EC512124677A}"/>
+              </a:ext>
+            </a:extLst>
+          </p:cNvPr>
+          <p:cNvSpPr>
+            <a:spLocks noGrp="1"/>
+          </p:cNvSpPr>
+          <p:nvPr>
+            <p:ph idx="1"/>
+          </p:nvPr>
+        </p:nvSpPr>
+        <p:spPr/>
+        <p:txBody>
+          <a:bodyPr/>
+          <a:lstStyle/>
+          <a:p>
+            <a:r>
+              <a:rPr lang="en-US" dirty="0"/>
+              <a:t>Sequences to double check what happened:</a:t>
+            </a:r>
+          </a:p>
+          <a:p>
+            <a:pPr lvl="1"/>
+            <a:r>
+              <a:rPr lang="en-US" dirty="0"/>
+              <a:t>daLycEuro1.1 SUPER_1 initial 220 kb, good N but bad repeat mapped</a:t>
+            </a:r>
+            <a:r>
+              <a:rPr lang="en-GB" dirty="0"/>
+              <a:t>, and other long (600-700 bp) arrays are not correct. Maybe overlap/gap issue?</a:t>
+            </a:r>
+          </a:p>
+          <a:p>
+            <a:pPr lvl="1"/>
+            <a:r>
+              <a:rPr lang="en-US" dirty="0"/>
+              <a:t>d</a:t>
+            </a:r>
+            <a:r>
+              <a:rPr lang="en-GB" dirty="0" err="1"/>
+              <a:t>rPotAnse</a:t>
+            </a:r>
+            <a:r>
+              <a:rPr lang="en-GB" dirty="0"/>
+              <a:t> centromeric complex repeat</a:t>
+            </a:r>
+          </a:p>
+          <a:p>
+            <a:pPr lvl="1"/>
+            <a:r>
+              <a:rPr lang="en-US" dirty="0"/>
+              <a:t>d</a:t>
+            </a:r>
+            <a:r>
+              <a:rPr lang="en-GB" dirty="0" err="1"/>
+              <a:t>aScuGale</a:t>
+            </a:r>
+            <a:r>
+              <a:rPr lang="en-GB" dirty="0"/>
+              <a:t> centromeric repeat (low similarity) is sometimes identified as 32 instead of 215 bp (need to adjust k for N I think, and maybe allow merging more than 1 bp different Ns)</a:t>
+            </a:r>
+          </a:p>
+          <a:p>
+            <a:pPr lvl="1"/>
+            <a:r>
+              <a:rPr lang="en-US" dirty="0"/>
+              <a:t>A</a:t>
+            </a:r>
+            <a:r>
+              <a:rPr lang="en-GB" dirty="0" err="1"/>
+              <a:t>th</a:t>
+            </a:r>
+            <a:r>
+              <a:rPr lang="en-GB" dirty="0"/>
+              <a:t> CEN1 downstream LTR containing repeats. Maybe make sure distances at each position contain distances to all </a:t>
+            </a:r>
+            <a:r>
+              <a:rPr lang="en-GB" dirty="0" err="1"/>
+              <a:t>kmers</a:t>
+            </a:r>
+            <a:r>
+              <a:rPr lang="en-GB"/>
+              <a:t> around, not just the next one?</a:t>
+            </a:r>
+            <a:endParaRPr lang="en-US" dirty="0"/>
+          </a:p>
+        </p:txBody>
+      </p:sp>
+    </p:spTree>
+    <p:extLst>
+      <p:ext uri="{BB962C8B-B14F-4D97-AF65-F5344CB8AC3E}">
+        <p14:creationId xmlns:p14="http://schemas.microsoft.com/office/powerpoint/2010/main" val="2821565613"/>
+      </p:ext>
+    </p:extLst>
+  </p:cSld>
+  <p:clrMapOvr>
+    <a:masterClrMapping/>
+  </p:clrMapOvr>
+</p:sld>
+</file>
+
 <file path=ppt/theme/theme1.xml><?xml version="1.0" encoding="utf-8"?>
 <a:theme xmlns:a="http://schemas.openxmlformats.org/drawingml/2006/main" name="Office Theme">
   <a:themeElements>

--- a/progress.pptx
+++ b/progress.pptx
@@ -7,6 +7,7 @@
   <p:sldIdLst>
     <p:sldId id="256" r:id="rId2"/>
     <p:sldId id="257" r:id="rId3"/>
+    <p:sldId id="258" r:id="rId4"/>
   </p:sldIdLst>
   <p:sldSz cx="12192000" cy="6858000"/>
   <p:notesSz cx="6858000" cy="9144000"/>
@@ -135,7 +136,7 @@
           <p:cNvPr id="2" name="Title 1">
             <a:extLst>
               <a:ext uri="{FF2B5EF4-FFF2-40B4-BE49-F238E27FC236}">
-                <a16:creationId xmlns:a16="http://schemas.microsoft.com/office/drawing/2014/main" id="{D91493EC-2015-4C41-96A8-220D4F08B3F8}"/>
+                <a16:creationId xmlns:a16="http://schemas.microsoft.com/office/drawing/2014/main" xmlns="" id="{D91493EC-2015-4C41-96A8-220D4F08B3F8}"/>
               </a:ext>
             </a:extLst>
           </p:cNvPr>
@@ -173,7 +174,7 @@
           <p:cNvPr id="3" name="Subtitle 2">
             <a:extLst>
               <a:ext uri="{FF2B5EF4-FFF2-40B4-BE49-F238E27FC236}">
-                <a16:creationId xmlns:a16="http://schemas.microsoft.com/office/drawing/2014/main" id="{F8E9C4DF-2289-46C3-89C6-5493CFE8584A}"/>
+                <a16:creationId xmlns:a16="http://schemas.microsoft.com/office/drawing/2014/main" xmlns="" id="{F8E9C4DF-2289-46C3-89C6-5493CFE8584A}"/>
               </a:ext>
             </a:extLst>
           </p:cNvPr>
@@ -244,7 +245,7 @@
           <p:cNvPr id="4" name="Date Placeholder 3">
             <a:extLst>
               <a:ext uri="{FF2B5EF4-FFF2-40B4-BE49-F238E27FC236}">
-                <a16:creationId xmlns:a16="http://schemas.microsoft.com/office/drawing/2014/main" id="{C3B48FA4-2C79-400C-9CA6-19D368750493}"/>
+                <a16:creationId xmlns:a16="http://schemas.microsoft.com/office/drawing/2014/main" xmlns="" id="{C3B48FA4-2C79-400C-9CA6-19D368750493}"/>
               </a:ext>
             </a:extLst>
           </p:cNvPr>
@@ -262,7 +263,7 @@
           <a:p>
             <a:fld id="{A70B401E-77DD-4D90-BB00-0797DF48F6BD}" type="datetimeFigureOut">
               <a:rPr lang="en-GB" smtClean="0"/>
-              <a:t>05/03/2024</a:t>
+              <a:t>07/03/2024</a:t>
             </a:fld>
             <a:endParaRPr lang="en-GB"/>
           </a:p>
@@ -273,7 +274,7 @@
           <p:cNvPr id="5" name="Footer Placeholder 4">
             <a:extLst>
               <a:ext uri="{FF2B5EF4-FFF2-40B4-BE49-F238E27FC236}">
-                <a16:creationId xmlns:a16="http://schemas.microsoft.com/office/drawing/2014/main" id="{CE24C215-2A0A-481F-ADED-5C67F26FDEEE}"/>
+                <a16:creationId xmlns:a16="http://schemas.microsoft.com/office/drawing/2014/main" xmlns="" id="{CE24C215-2A0A-481F-ADED-5C67F26FDEEE}"/>
               </a:ext>
             </a:extLst>
           </p:cNvPr>
@@ -298,7 +299,7 @@
           <p:cNvPr id="6" name="Slide Number Placeholder 5">
             <a:extLst>
               <a:ext uri="{FF2B5EF4-FFF2-40B4-BE49-F238E27FC236}">
-                <a16:creationId xmlns:a16="http://schemas.microsoft.com/office/drawing/2014/main" id="{FC613952-C6DF-4A33-94C2-83BEAA006D52}"/>
+                <a16:creationId xmlns:a16="http://schemas.microsoft.com/office/drawing/2014/main" xmlns="" id="{FC613952-C6DF-4A33-94C2-83BEAA006D52}"/>
               </a:ext>
             </a:extLst>
           </p:cNvPr>
@@ -357,7 +358,7 @@
           <p:cNvPr id="2" name="Title 1">
             <a:extLst>
               <a:ext uri="{FF2B5EF4-FFF2-40B4-BE49-F238E27FC236}">
-                <a16:creationId xmlns:a16="http://schemas.microsoft.com/office/drawing/2014/main" id="{816BA8C5-22D5-4072-A09A-B4763D70F556}"/>
+                <a16:creationId xmlns:a16="http://schemas.microsoft.com/office/drawing/2014/main" xmlns="" id="{816BA8C5-22D5-4072-A09A-B4763D70F556}"/>
               </a:ext>
             </a:extLst>
           </p:cNvPr>
@@ -386,7 +387,7 @@
           <p:cNvPr id="3" name="Vertical Text Placeholder 2">
             <a:extLst>
               <a:ext uri="{FF2B5EF4-FFF2-40B4-BE49-F238E27FC236}">
-                <a16:creationId xmlns:a16="http://schemas.microsoft.com/office/drawing/2014/main" id="{FDEC2D81-36AF-48FD-92A1-0D218DAABEE0}"/>
+                <a16:creationId xmlns:a16="http://schemas.microsoft.com/office/drawing/2014/main" xmlns="" id="{FDEC2D81-36AF-48FD-92A1-0D218DAABEE0}"/>
               </a:ext>
             </a:extLst>
           </p:cNvPr>
@@ -444,7 +445,7 @@
           <p:cNvPr id="4" name="Date Placeholder 3">
             <a:extLst>
               <a:ext uri="{FF2B5EF4-FFF2-40B4-BE49-F238E27FC236}">
-                <a16:creationId xmlns:a16="http://schemas.microsoft.com/office/drawing/2014/main" id="{E852A60D-4E80-48F6-8773-DBC54ABA83EE}"/>
+                <a16:creationId xmlns:a16="http://schemas.microsoft.com/office/drawing/2014/main" xmlns="" id="{E852A60D-4E80-48F6-8773-DBC54ABA83EE}"/>
               </a:ext>
             </a:extLst>
           </p:cNvPr>
@@ -462,7 +463,7 @@
           <a:p>
             <a:fld id="{A70B401E-77DD-4D90-BB00-0797DF48F6BD}" type="datetimeFigureOut">
               <a:rPr lang="en-GB" smtClean="0"/>
-              <a:t>05/03/2024</a:t>
+              <a:t>07/03/2024</a:t>
             </a:fld>
             <a:endParaRPr lang="en-GB"/>
           </a:p>
@@ -473,7 +474,7 @@
           <p:cNvPr id="5" name="Footer Placeholder 4">
             <a:extLst>
               <a:ext uri="{FF2B5EF4-FFF2-40B4-BE49-F238E27FC236}">
-                <a16:creationId xmlns:a16="http://schemas.microsoft.com/office/drawing/2014/main" id="{4247155E-620D-4310-B91B-D43DE2CDE719}"/>
+                <a16:creationId xmlns:a16="http://schemas.microsoft.com/office/drawing/2014/main" xmlns="" id="{4247155E-620D-4310-B91B-D43DE2CDE719}"/>
               </a:ext>
             </a:extLst>
           </p:cNvPr>
@@ -498,7 +499,7 @@
           <p:cNvPr id="6" name="Slide Number Placeholder 5">
             <a:extLst>
               <a:ext uri="{FF2B5EF4-FFF2-40B4-BE49-F238E27FC236}">
-                <a16:creationId xmlns:a16="http://schemas.microsoft.com/office/drawing/2014/main" id="{37AB0BF7-CD9D-435F-8E9F-749C547D336D}"/>
+                <a16:creationId xmlns:a16="http://schemas.microsoft.com/office/drawing/2014/main" xmlns="" id="{37AB0BF7-CD9D-435F-8E9F-749C547D336D}"/>
               </a:ext>
             </a:extLst>
           </p:cNvPr>
@@ -557,7 +558,7 @@
           <p:cNvPr id="2" name="Vertical Title 1">
             <a:extLst>
               <a:ext uri="{FF2B5EF4-FFF2-40B4-BE49-F238E27FC236}">
-                <a16:creationId xmlns:a16="http://schemas.microsoft.com/office/drawing/2014/main" id="{0A652B90-1FE9-4E5A-AFAA-E8E07AA77CE7}"/>
+                <a16:creationId xmlns:a16="http://schemas.microsoft.com/office/drawing/2014/main" xmlns="" id="{0A652B90-1FE9-4E5A-AFAA-E8E07AA77CE7}"/>
               </a:ext>
             </a:extLst>
           </p:cNvPr>
@@ -591,7 +592,7 @@
           <p:cNvPr id="3" name="Vertical Text Placeholder 2">
             <a:extLst>
               <a:ext uri="{FF2B5EF4-FFF2-40B4-BE49-F238E27FC236}">
-                <a16:creationId xmlns:a16="http://schemas.microsoft.com/office/drawing/2014/main" id="{AF5ADB70-F85B-4279-86F1-0E0534E41B57}"/>
+                <a16:creationId xmlns:a16="http://schemas.microsoft.com/office/drawing/2014/main" xmlns="" id="{AF5ADB70-F85B-4279-86F1-0E0534E41B57}"/>
               </a:ext>
             </a:extLst>
           </p:cNvPr>
@@ -654,7 +655,7 @@
           <p:cNvPr id="4" name="Date Placeholder 3">
             <a:extLst>
               <a:ext uri="{FF2B5EF4-FFF2-40B4-BE49-F238E27FC236}">
-                <a16:creationId xmlns:a16="http://schemas.microsoft.com/office/drawing/2014/main" id="{EA52239A-8681-4882-B64A-1F523DED2488}"/>
+                <a16:creationId xmlns:a16="http://schemas.microsoft.com/office/drawing/2014/main" xmlns="" id="{EA52239A-8681-4882-B64A-1F523DED2488}"/>
               </a:ext>
             </a:extLst>
           </p:cNvPr>
@@ -672,7 +673,7 @@
           <a:p>
             <a:fld id="{A70B401E-77DD-4D90-BB00-0797DF48F6BD}" type="datetimeFigureOut">
               <a:rPr lang="en-GB" smtClean="0"/>
-              <a:t>05/03/2024</a:t>
+              <a:t>07/03/2024</a:t>
             </a:fld>
             <a:endParaRPr lang="en-GB"/>
           </a:p>
@@ -683,7 +684,7 @@
           <p:cNvPr id="5" name="Footer Placeholder 4">
             <a:extLst>
               <a:ext uri="{FF2B5EF4-FFF2-40B4-BE49-F238E27FC236}">
-                <a16:creationId xmlns:a16="http://schemas.microsoft.com/office/drawing/2014/main" id="{CA61A0BD-313B-4437-9DA4-E9736D3C67A4}"/>
+                <a16:creationId xmlns:a16="http://schemas.microsoft.com/office/drawing/2014/main" xmlns="" id="{CA61A0BD-313B-4437-9DA4-E9736D3C67A4}"/>
               </a:ext>
             </a:extLst>
           </p:cNvPr>
@@ -708,7 +709,7 @@
           <p:cNvPr id="6" name="Slide Number Placeholder 5">
             <a:extLst>
               <a:ext uri="{FF2B5EF4-FFF2-40B4-BE49-F238E27FC236}">
-                <a16:creationId xmlns:a16="http://schemas.microsoft.com/office/drawing/2014/main" id="{7AA1270B-DADA-4BEF-A362-0663708CB587}"/>
+                <a16:creationId xmlns:a16="http://schemas.microsoft.com/office/drawing/2014/main" xmlns="" id="{7AA1270B-DADA-4BEF-A362-0663708CB587}"/>
               </a:ext>
             </a:extLst>
           </p:cNvPr>
@@ -767,7 +768,7 @@
           <p:cNvPr id="2" name="Title 1">
             <a:extLst>
               <a:ext uri="{FF2B5EF4-FFF2-40B4-BE49-F238E27FC236}">
-                <a16:creationId xmlns:a16="http://schemas.microsoft.com/office/drawing/2014/main" id="{B58DB743-E92D-48B3-B281-293D88D35081}"/>
+                <a16:creationId xmlns:a16="http://schemas.microsoft.com/office/drawing/2014/main" xmlns="" id="{B58DB743-E92D-48B3-B281-293D88D35081}"/>
               </a:ext>
             </a:extLst>
           </p:cNvPr>
@@ -796,7 +797,7 @@
           <p:cNvPr id="3" name="Content Placeholder 2">
             <a:extLst>
               <a:ext uri="{FF2B5EF4-FFF2-40B4-BE49-F238E27FC236}">
-                <a16:creationId xmlns:a16="http://schemas.microsoft.com/office/drawing/2014/main" id="{A337A120-6EA3-44B7-9108-23BED636CC2E}"/>
+                <a16:creationId xmlns:a16="http://schemas.microsoft.com/office/drawing/2014/main" xmlns="" id="{A337A120-6EA3-44B7-9108-23BED636CC2E}"/>
               </a:ext>
             </a:extLst>
           </p:cNvPr>
@@ -854,7 +855,7 @@
           <p:cNvPr id="4" name="Date Placeholder 3">
             <a:extLst>
               <a:ext uri="{FF2B5EF4-FFF2-40B4-BE49-F238E27FC236}">
-                <a16:creationId xmlns:a16="http://schemas.microsoft.com/office/drawing/2014/main" id="{DD876C3A-1A6D-4D93-94F2-C4FF9A40A484}"/>
+                <a16:creationId xmlns:a16="http://schemas.microsoft.com/office/drawing/2014/main" xmlns="" id="{DD876C3A-1A6D-4D93-94F2-C4FF9A40A484}"/>
               </a:ext>
             </a:extLst>
           </p:cNvPr>
@@ -872,7 +873,7 @@
           <a:p>
             <a:fld id="{A70B401E-77DD-4D90-BB00-0797DF48F6BD}" type="datetimeFigureOut">
               <a:rPr lang="en-GB" smtClean="0"/>
-              <a:t>05/03/2024</a:t>
+              <a:t>07/03/2024</a:t>
             </a:fld>
             <a:endParaRPr lang="en-GB"/>
           </a:p>
@@ -883,7 +884,7 @@
           <p:cNvPr id="5" name="Footer Placeholder 4">
             <a:extLst>
               <a:ext uri="{FF2B5EF4-FFF2-40B4-BE49-F238E27FC236}">
-                <a16:creationId xmlns:a16="http://schemas.microsoft.com/office/drawing/2014/main" id="{530192EE-8EEC-44FE-AA5E-4ADC06319353}"/>
+                <a16:creationId xmlns:a16="http://schemas.microsoft.com/office/drawing/2014/main" xmlns="" id="{530192EE-8EEC-44FE-AA5E-4ADC06319353}"/>
               </a:ext>
             </a:extLst>
           </p:cNvPr>
@@ -908,7 +909,7 @@
           <p:cNvPr id="6" name="Slide Number Placeholder 5">
             <a:extLst>
               <a:ext uri="{FF2B5EF4-FFF2-40B4-BE49-F238E27FC236}">
-                <a16:creationId xmlns:a16="http://schemas.microsoft.com/office/drawing/2014/main" id="{6D2A1735-95B1-4BC7-AACB-C9656E59750D}"/>
+                <a16:creationId xmlns:a16="http://schemas.microsoft.com/office/drawing/2014/main" xmlns="" id="{6D2A1735-95B1-4BC7-AACB-C9656E59750D}"/>
               </a:ext>
             </a:extLst>
           </p:cNvPr>
@@ -967,7 +968,7 @@
           <p:cNvPr id="2" name="Title 1">
             <a:extLst>
               <a:ext uri="{FF2B5EF4-FFF2-40B4-BE49-F238E27FC236}">
-                <a16:creationId xmlns:a16="http://schemas.microsoft.com/office/drawing/2014/main" id="{E02CCB47-9A9B-431C-B85F-E84751DCB8B4}"/>
+                <a16:creationId xmlns:a16="http://schemas.microsoft.com/office/drawing/2014/main" xmlns="" id="{E02CCB47-9A9B-431C-B85F-E84751DCB8B4}"/>
               </a:ext>
             </a:extLst>
           </p:cNvPr>
@@ -1005,7 +1006,7 @@
           <p:cNvPr id="3" name="Text Placeholder 2">
             <a:extLst>
               <a:ext uri="{FF2B5EF4-FFF2-40B4-BE49-F238E27FC236}">
-                <a16:creationId xmlns:a16="http://schemas.microsoft.com/office/drawing/2014/main" id="{89C6D845-9A67-4E93-AF39-FF789DA81B79}"/>
+                <a16:creationId xmlns:a16="http://schemas.microsoft.com/office/drawing/2014/main" xmlns="" id="{89C6D845-9A67-4E93-AF39-FF789DA81B79}"/>
               </a:ext>
             </a:extLst>
           </p:cNvPr>
@@ -1130,7 +1131,7 @@
           <p:cNvPr id="4" name="Date Placeholder 3">
             <a:extLst>
               <a:ext uri="{FF2B5EF4-FFF2-40B4-BE49-F238E27FC236}">
-                <a16:creationId xmlns:a16="http://schemas.microsoft.com/office/drawing/2014/main" id="{42ABE680-683D-48DB-9696-F23B8E4185EA}"/>
+                <a16:creationId xmlns:a16="http://schemas.microsoft.com/office/drawing/2014/main" xmlns="" id="{42ABE680-683D-48DB-9696-F23B8E4185EA}"/>
               </a:ext>
             </a:extLst>
           </p:cNvPr>
@@ -1148,7 +1149,7 @@
           <a:p>
             <a:fld id="{A70B401E-77DD-4D90-BB00-0797DF48F6BD}" type="datetimeFigureOut">
               <a:rPr lang="en-GB" smtClean="0"/>
-              <a:t>05/03/2024</a:t>
+              <a:t>07/03/2024</a:t>
             </a:fld>
             <a:endParaRPr lang="en-GB"/>
           </a:p>
@@ -1159,7 +1160,7 @@
           <p:cNvPr id="5" name="Footer Placeholder 4">
             <a:extLst>
               <a:ext uri="{FF2B5EF4-FFF2-40B4-BE49-F238E27FC236}">
-                <a16:creationId xmlns:a16="http://schemas.microsoft.com/office/drawing/2014/main" id="{EB5F8430-4BED-4609-AA42-A63A3C703302}"/>
+                <a16:creationId xmlns:a16="http://schemas.microsoft.com/office/drawing/2014/main" xmlns="" id="{EB5F8430-4BED-4609-AA42-A63A3C703302}"/>
               </a:ext>
             </a:extLst>
           </p:cNvPr>
@@ -1184,7 +1185,7 @@
           <p:cNvPr id="6" name="Slide Number Placeholder 5">
             <a:extLst>
               <a:ext uri="{FF2B5EF4-FFF2-40B4-BE49-F238E27FC236}">
-                <a16:creationId xmlns:a16="http://schemas.microsoft.com/office/drawing/2014/main" id="{14F37220-7011-4F9F-A570-A1C3C183385B}"/>
+                <a16:creationId xmlns:a16="http://schemas.microsoft.com/office/drawing/2014/main" xmlns="" id="{14F37220-7011-4F9F-A570-A1C3C183385B}"/>
               </a:ext>
             </a:extLst>
           </p:cNvPr>
@@ -1243,7 +1244,7 @@
           <p:cNvPr id="2" name="Title 1">
             <a:extLst>
               <a:ext uri="{FF2B5EF4-FFF2-40B4-BE49-F238E27FC236}">
-                <a16:creationId xmlns:a16="http://schemas.microsoft.com/office/drawing/2014/main" id="{CF670F7F-7F8E-46A5-B0E9-2C63E2337CDF}"/>
+                <a16:creationId xmlns:a16="http://schemas.microsoft.com/office/drawing/2014/main" xmlns="" id="{CF670F7F-7F8E-46A5-B0E9-2C63E2337CDF}"/>
               </a:ext>
             </a:extLst>
           </p:cNvPr>
@@ -1272,7 +1273,7 @@
           <p:cNvPr id="3" name="Content Placeholder 2">
             <a:extLst>
               <a:ext uri="{FF2B5EF4-FFF2-40B4-BE49-F238E27FC236}">
-                <a16:creationId xmlns:a16="http://schemas.microsoft.com/office/drawing/2014/main" id="{6174D297-FF28-4E3A-A22C-D6321DFC18D8}"/>
+                <a16:creationId xmlns:a16="http://schemas.microsoft.com/office/drawing/2014/main" xmlns="" id="{6174D297-FF28-4E3A-A22C-D6321DFC18D8}"/>
               </a:ext>
             </a:extLst>
           </p:cNvPr>
@@ -1335,7 +1336,7 @@
           <p:cNvPr id="4" name="Content Placeholder 3">
             <a:extLst>
               <a:ext uri="{FF2B5EF4-FFF2-40B4-BE49-F238E27FC236}">
-                <a16:creationId xmlns:a16="http://schemas.microsoft.com/office/drawing/2014/main" id="{3FFC588F-25D7-4E5C-B9E5-9ACAE63170F6}"/>
+                <a16:creationId xmlns:a16="http://schemas.microsoft.com/office/drawing/2014/main" xmlns="" id="{3FFC588F-25D7-4E5C-B9E5-9ACAE63170F6}"/>
               </a:ext>
             </a:extLst>
           </p:cNvPr>
@@ -1398,7 +1399,7 @@
           <p:cNvPr id="5" name="Date Placeholder 4">
             <a:extLst>
               <a:ext uri="{FF2B5EF4-FFF2-40B4-BE49-F238E27FC236}">
-                <a16:creationId xmlns:a16="http://schemas.microsoft.com/office/drawing/2014/main" id="{6E726C94-AE08-41A1-A9AE-9A236C2B535B}"/>
+                <a16:creationId xmlns:a16="http://schemas.microsoft.com/office/drawing/2014/main" xmlns="" id="{6E726C94-AE08-41A1-A9AE-9A236C2B535B}"/>
               </a:ext>
             </a:extLst>
           </p:cNvPr>
@@ -1416,7 +1417,7 @@
           <a:p>
             <a:fld id="{A70B401E-77DD-4D90-BB00-0797DF48F6BD}" type="datetimeFigureOut">
               <a:rPr lang="en-GB" smtClean="0"/>
-              <a:t>05/03/2024</a:t>
+              <a:t>07/03/2024</a:t>
             </a:fld>
             <a:endParaRPr lang="en-GB"/>
           </a:p>
@@ -1427,7 +1428,7 @@
           <p:cNvPr id="6" name="Footer Placeholder 5">
             <a:extLst>
               <a:ext uri="{FF2B5EF4-FFF2-40B4-BE49-F238E27FC236}">
-                <a16:creationId xmlns:a16="http://schemas.microsoft.com/office/drawing/2014/main" id="{1AB2655E-A16F-41CB-9EE0-686BFE1C42F1}"/>
+                <a16:creationId xmlns:a16="http://schemas.microsoft.com/office/drawing/2014/main" xmlns="" id="{1AB2655E-A16F-41CB-9EE0-686BFE1C42F1}"/>
               </a:ext>
             </a:extLst>
           </p:cNvPr>
@@ -1452,7 +1453,7 @@
           <p:cNvPr id="7" name="Slide Number Placeholder 6">
             <a:extLst>
               <a:ext uri="{FF2B5EF4-FFF2-40B4-BE49-F238E27FC236}">
-                <a16:creationId xmlns:a16="http://schemas.microsoft.com/office/drawing/2014/main" id="{4F87A3BE-0B98-4429-902E-BE72E8874867}"/>
+                <a16:creationId xmlns:a16="http://schemas.microsoft.com/office/drawing/2014/main" xmlns="" id="{4F87A3BE-0B98-4429-902E-BE72E8874867}"/>
               </a:ext>
             </a:extLst>
           </p:cNvPr>
@@ -1511,7 +1512,7 @@
           <p:cNvPr id="2" name="Title 1">
             <a:extLst>
               <a:ext uri="{FF2B5EF4-FFF2-40B4-BE49-F238E27FC236}">
-                <a16:creationId xmlns:a16="http://schemas.microsoft.com/office/drawing/2014/main" id="{46F861B6-392D-4964-B3C3-0C98F9F55C9B}"/>
+                <a16:creationId xmlns:a16="http://schemas.microsoft.com/office/drawing/2014/main" xmlns="" id="{46F861B6-392D-4964-B3C3-0C98F9F55C9B}"/>
               </a:ext>
             </a:extLst>
           </p:cNvPr>
@@ -1545,7 +1546,7 @@
           <p:cNvPr id="3" name="Text Placeholder 2">
             <a:extLst>
               <a:ext uri="{FF2B5EF4-FFF2-40B4-BE49-F238E27FC236}">
-                <a16:creationId xmlns:a16="http://schemas.microsoft.com/office/drawing/2014/main" id="{58E396D6-78ED-497B-A81D-E0388CD9E234}"/>
+                <a16:creationId xmlns:a16="http://schemas.microsoft.com/office/drawing/2014/main" xmlns="" id="{58E396D6-78ED-497B-A81D-E0388CD9E234}"/>
               </a:ext>
             </a:extLst>
           </p:cNvPr>
@@ -1616,7 +1617,7 @@
           <p:cNvPr id="4" name="Content Placeholder 3">
             <a:extLst>
               <a:ext uri="{FF2B5EF4-FFF2-40B4-BE49-F238E27FC236}">
-                <a16:creationId xmlns:a16="http://schemas.microsoft.com/office/drawing/2014/main" id="{0DE55CFF-02D4-4015-96A3-CDA3861E9512}"/>
+                <a16:creationId xmlns:a16="http://schemas.microsoft.com/office/drawing/2014/main" xmlns="" id="{0DE55CFF-02D4-4015-96A3-CDA3861E9512}"/>
               </a:ext>
             </a:extLst>
           </p:cNvPr>
@@ -1679,7 +1680,7 @@
           <p:cNvPr id="5" name="Text Placeholder 4">
             <a:extLst>
               <a:ext uri="{FF2B5EF4-FFF2-40B4-BE49-F238E27FC236}">
-                <a16:creationId xmlns:a16="http://schemas.microsoft.com/office/drawing/2014/main" id="{F3A32D27-63C4-46D3-8D21-71C1DF6EE953}"/>
+                <a16:creationId xmlns:a16="http://schemas.microsoft.com/office/drawing/2014/main" xmlns="" id="{F3A32D27-63C4-46D3-8D21-71C1DF6EE953}"/>
               </a:ext>
             </a:extLst>
           </p:cNvPr>
@@ -1750,7 +1751,7 @@
           <p:cNvPr id="6" name="Content Placeholder 5">
             <a:extLst>
               <a:ext uri="{FF2B5EF4-FFF2-40B4-BE49-F238E27FC236}">
-                <a16:creationId xmlns:a16="http://schemas.microsoft.com/office/drawing/2014/main" id="{959D4A7E-87D4-471D-B365-1F7323895E81}"/>
+                <a16:creationId xmlns:a16="http://schemas.microsoft.com/office/drawing/2014/main" xmlns="" id="{959D4A7E-87D4-471D-B365-1F7323895E81}"/>
               </a:ext>
             </a:extLst>
           </p:cNvPr>
@@ -1813,7 +1814,7 @@
           <p:cNvPr id="7" name="Date Placeholder 6">
             <a:extLst>
               <a:ext uri="{FF2B5EF4-FFF2-40B4-BE49-F238E27FC236}">
-                <a16:creationId xmlns:a16="http://schemas.microsoft.com/office/drawing/2014/main" id="{3C68AB1A-D6A9-4969-9194-0BE897DE6440}"/>
+                <a16:creationId xmlns:a16="http://schemas.microsoft.com/office/drawing/2014/main" xmlns="" id="{3C68AB1A-D6A9-4969-9194-0BE897DE6440}"/>
               </a:ext>
             </a:extLst>
           </p:cNvPr>
@@ -1831,7 +1832,7 @@
           <a:p>
             <a:fld id="{A70B401E-77DD-4D90-BB00-0797DF48F6BD}" type="datetimeFigureOut">
               <a:rPr lang="en-GB" smtClean="0"/>
-              <a:t>05/03/2024</a:t>
+              <a:t>07/03/2024</a:t>
             </a:fld>
             <a:endParaRPr lang="en-GB"/>
           </a:p>
@@ -1842,7 +1843,7 @@
           <p:cNvPr id="8" name="Footer Placeholder 7">
             <a:extLst>
               <a:ext uri="{FF2B5EF4-FFF2-40B4-BE49-F238E27FC236}">
-                <a16:creationId xmlns:a16="http://schemas.microsoft.com/office/drawing/2014/main" id="{CA8540E7-FB95-46E9-B3F2-7A261C30BC22}"/>
+                <a16:creationId xmlns:a16="http://schemas.microsoft.com/office/drawing/2014/main" xmlns="" id="{CA8540E7-FB95-46E9-B3F2-7A261C30BC22}"/>
               </a:ext>
             </a:extLst>
           </p:cNvPr>
@@ -1867,7 +1868,7 @@
           <p:cNvPr id="9" name="Slide Number Placeholder 8">
             <a:extLst>
               <a:ext uri="{FF2B5EF4-FFF2-40B4-BE49-F238E27FC236}">
-                <a16:creationId xmlns:a16="http://schemas.microsoft.com/office/drawing/2014/main" id="{5A9F9E0A-DD60-488D-9FCF-7F9050A1C322}"/>
+                <a16:creationId xmlns:a16="http://schemas.microsoft.com/office/drawing/2014/main" xmlns="" id="{5A9F9E0A-DD60-488D-9FCF-7F9050A1C322}"/>
               </a:ext>
             </a:extLst>
           </p:cNvPr>
@@ -1926,7 +1927,7 @@
           <p:cNvPr id="2" name="Title 1">
             <a:extLst>
               <a:ext uri="{FF2B5EF4-FFF2-40B4-BE49-F238E27FC236}">
-                <a16:creationId xmlns:a16="http://schemas.microsoft.com/office/drawing/2014/main" id="{C4DB3C01-F57D-4244-B8DC-EDFFC8403F3E}"/>
+                <a16:creationId xmlns:a16="http://schemas.microsoft.com/office/drawing/2014/main" xmlns="" id="{C4DB3C01-F57D-4244-B8DC-EDFFC8403F3E}"/>
               </a:ext>
             </a:extLst>
           </p:cNvPr>
@@ -1955,7 +1956,7 @@
           <p:cNvPr id="3" name="Date Placeholder 2">
             <a:extLst>
               <a:ext uri="{FF2B5EF4-FFF2-40B4-BE49-F238E27FC236}">
-                <a16:creationId xmlns:a16="http://schemas.microsoft.com/office/drawing/2014/main" id="{15917A7C-EB9F-4426-81BE-21C4C7024827}"/>
+                <a16:creationId xmlns:a16="http://schemas.microsoft.com/office/drawing/2014/main" xmlns="" id="{15917A7C-EB9F-4426-81BE-21C4C7024827}"/>
               </a:ext>
             </a:extLst>
           </p:cNvPr>
@@ -1973,7 +1974,7 @@
           <a:p>
             <a:fld id="{A70B401E-77DD-4D90-BB00-0797DF48F6BD}" type="datetimeFigureOut">
               <a:rPr lang="en-GB" smtClean="0"/>
-              <a:t>05/03/2024</a:t>
+              <a:t>07/03/2024</a:t>
             </a:fld>
             <a:endParaRPr lang="en-GB"/>
           </a:p>
@@ -1984,7 +1985,7 @@
           <p:cNvPr id="4" name="Footer Placeholder 3">
             <a:extLst>
               <a:ext uri="{FF2B5EF4-FFF2-40B4-BE49-F238E27FC236}">
-                <a16:creationId xmlns:a16="http://schemas.microsoft.com/office/drawing/2014/main" id="{7772AE2F-3173-4E92-A190-278D0C01D5B1}"/>
+                <a16:creationId xmlns:a16="http://schemas.microsoft.com/office/drawing/2014/main" xmlns="" id="{7772AE2F-3173-4E92-A190-278D0C01D5B1}"/>
               </a:ext>
             </a:extLst>
           </p:cNvPr>
@@ -2009,7 +2010,7 @@
           <p:cNvPr id="5" name="Slide Number Placeholder 4">
             <a:extLst>
               <a:ext uri="{FF2B5EF4-FFF2-40B4-BE49-F238E27FC236}">
-                <a16:creationId xmlns:a16="http://schemas.microsoft.com/office/drawing/2014/main" id="{1F92F5EC-CD54-423B-8B52-74B667BECB27}"/>
+                <a16:creationId xmlns:a16="http://schemas.microsoft.com/office/drawing/2014/main" xmlns="" id="{1F92F5EC-CD54-423B-8B52-74B667BECB27}"/>
               </a:ext>
             </a:extLst>
           </p:cNvPr>
@@ -2068,7 +2069,7 @@
           <p:cNvPr id="2" name="Date Placeholder 1">
             <a:extLst>
               <a:ext uri="{FF2B5EF4-FFF2-40B4-BE49-F238E27FC236}">
-                <a16:creationId xmlns:a16="http://schemas.microsoft.com/office/drawing/2014/main" id="{F161A86A-6A10-4ADC-8F45-55014C7DB0D5}"/>
+                <a16:creationId xmlns:a16="http://schemas.microsoft.com/office/drawing/2014/main" xmlns="" id="{F161A86A-6A10-4ADC-8F45-55014C7DB0D5}"/>
               </a:ext>
             </a:extLst>
           </p:cNvPr>
@@ -2086,7 +2087,7 @@
           <a:p>
             <a:fld id="{A70B401E-77DD-4D90-BB00-0797DF48F6BD}" type="datetimeFigureOut">
               <a:rPr lang="en-GB" smtClean="0"/>
-              <a:t>05/03/2024</a:t>
+              <a:t>07/03/2024</a:t>
             </a:fld>
             <a:endParaRPr lang="en-GB"/>
           </a:p>
@@ -2097,7 +2098,7 @@
           <p:cNvPr id="3" name="Footer Placeholder 2">
             <a:extLst>
               <a:ext uri="{FF2B5EF4-FFF2-40B4-BE49-F238E27FC236}">
-                <a16:creationId xmlns:a16="http://schemas.microsoft.com/office/drawing/2014/main" id="{8A60BD7D-B5CF-4DAA-9A60-354260B15E8B}"/>
+                <a16:creationId xmlns:a16="http://schemas.microsoft.com/office/drawing/2014/main" xmlns="" id="{8A60BD7D-B5CF-4DAA-9A60-354260B15E8B}"/>
               </a:ext>
             </a:extLst>
           </p:cNvPr>
@@ -2122,7 +2123,7 @@
           <p:cNvPr id="4" name="Slide Number Placeholder 3">
             <a:extLst>
               <a:ext uri="{FF2B5EF4-FFF2-40B4-BE49-F238E27FC236}">
-                <a16:creationId xmlns:a16="http://schemas.microsoft.com/office/drawing/2014/main" id="{A9893DE2-2860-4DBB-A7F0-C39A2C2A335E}"/>
+                <a16:creationId xmlns:a16="http://schemas.microsoft.com/office/drawing/2014/main" xmlns="" id="{A9893DE2-2860-4DBB-A7F0-C39A2C2A335E}"/>
               </a:ext>
             </a:extLst>
           </p:cNvPr>
@@ -2181,7 +2182,7 @@
           <p:cNvPr id="2" name="Title 1">
             <a:extLst>
               <a:ext uri="{FF2B5EF4-FFF2-40B4-BE49-F238E27FC236}">
-                <a16:creationId xmlns:a16="http://schemas.microsoft.com/office/drawing/2014/main" id="{768EA951-B4CB-45DE-9778-E3FD83E8FB46}"/>
+                <a16:creationId xmlns:a16="http://schemas.microsoft.com/office/drawing/2014/main" xmlns="" id="{768EA951-B4CB-45DE-9778-E3FD83E8FB46}"/>
               </a:ext>
             </a:extLst>
           </p:cNvPr>
@@ -2219,7 +2220,7 @@
           <p:cNvPr id="3" name="Content Placeholder 2">
             <a:extLst>
               <a:ext uri="{FF2B5EF4-FFF2-40B4-BE49-F238E27FC236}">
-                <a16:creationId xmlns:a16="http://schemas.microsoft.com/office/drawing/2014/main" id="{2494BE65-A543-4DD2-83E4-FEA3F872482B}"/>
+                <a16:creationId xmlns:a16="http://schemas.microsoft.com/office/drawing/2014/main" xmlns="" id="{2494BE65-A543-4DD2-83E4-FEA3F872482B}"/>
               </a:ext>
             </a:extLst>
           </p:cNvPr>
@@ -2310,7 +2311,7 @@
           <p:cNvPr id="4" name="Text Placeholder 3">
             <a:extLst>
               <a:ext uri="{FF2B5EF4-FFF2-40B4-BE49-F238E27FC236}">
-                <a16:creationId xmlns:a16="http://schemas.microsoft.com/office/drawing/2014/main" id="{4A1B47D8-EA53-41DA-84B4-2C84AE05F89F}"/>
+                <a16:creationId xmlns:a16="http://schemas.microsoft.com/office/drawing/2014/main" xmlns="" id="{4A1B47D8-EA53-41DA-84B4-2C84AE05F89F}"/>
               </a:ext>
             </a:extLst>
           </p:cNvPr>
@@ -2381,7 +2382,7 @@
           <p:cNvPr id="5" name="Date Placeholder 4">
             <a:extLst>
               <a:ext uri="{FF2B5EF4-FFF2-40B4-BE49-F238E27FC236}">
-                <a16:creationId xmlns:a16="http://schemas.microsoft.com/office/drawing/2014/main" id="{9CFDD935-C281-4755-8AEC-CDE2BEAFCD3B}"/>
+                <a16:creationId xmlns:a16="http://schemas.microsoft.com/office/drawing/2014/main" xmlns="" id="{9CFDD935-C281-4755-8AEC-CDE2BEAFCD3B}"/>
               </a:ext>
             </a:extLst>
           </p:cNvPr>
@@ -2399,7 +2400,7 @@
           <a:p>
             <a:fld id="{A70B401E-77DD-4D90-BB00-0797DF48F6BD}" type="datetimeFigureOut">
               <a:rPr lang="en-GB" smtClean="0"/>
-              <a:t>05/03/2024</a:t>
+              <a:t>07/03/2024</a:t>
             </a:fld>
             <a:endParaRPr lang="en-GB"/>
           </a:p>
@@ -2410,7 +2411,7 @@
           <p:cNvPr id="6" name="Footer Placeholder 5">
             <a:extLst>
               <a:ext uri="{FF2B5EF4-FFF2-40B4-BE49-F238E27FC236}">
-                <a16:creationId xmlns:a16="http://schemas.microsoft.com/office/drawing/2014/main" id="{BD419233-4315-42C1-9898-92105BE78C3D}"/>
+                <a16:creationId xmlns:a16="http://schemas.microsoft.com/office/drawing/2014/main" xmlns="" id="{BD419233-4315-42C1-9898-92105BE78C3D}"/>
               </a:ext>
             </a:extLst>
           </p:cNvPr>
@@ -2435,7 +2436,7 @@
           <p:cNvPr id="7" name="Slide Number Placeholder 6">
             <a:extLst>
               <a:ext uri="{FF2B5EF4-FFF2-40B4-BE49-F238E27FC236}">
-                <a16:creationId xmlns:a16="http://schemas.microsoft.com/office/drawing/2014/main" id="{A22B9EE8-EBE7-482A-938C-D302597A6274}"/>
+                <a16:creationId xmlns:a16="http://schemas.microsoft.com/office/drawing/2014/main" xmlns="" id="{A22B9EE8-EBE7-482A-938C-D302597A6274}"/>
               </a:ext>
             </a:extLst>
           </p:cNvPr>
@@ -2494,7 +2495,7 @@
           <p:cNvPr id="2" name="Title 1">
             <a:extLst>
               <a:ext uri="{FF2B5EF4-FFF2-40B4-BE49-F238E27FC236}">
-                <a16:creationId xmlns:a16="http://schemas.microsoft.com/office/drawing/2014/main" id="{D14BE262-11B6-4397-B7D5-4BD13FCA49B7}"/>
+                <a16:creationId xmlns:a16="http://schemas.microsoft.com/office/drawing/2014/main" xmlns="" id="{D14BE262-11B6-4397-B7D5-4BD13FCA49B7}"/>
               </a:ext>
             </a:extLst>
           </p:cNvPr>
@@ -2532,7 +2533,7 @@
           <p:cNvPr id="3" name="Picture Placeholder 2">
             <a:extLst>
               <a:ext uri="{FF2B5EF4-FFF2-40B4-BE49-F238E27FC236}">
-                <a16:creationId xmlns:a16="http://schemas.microsoft.com/office/drawing/2014/main" id="{FA296247-EB58-4F4D-AB27-2FAD74F87B09}"/>
+                <a16:creationId xmlns:a16="http://schemas.microsoft.com/office/drawing/2014/main" xmlns="" id="{FA296247-EB58-4F4D-AB27-2FAD74F87B09}"/>
               </a:ext>
             </a:extLst>
           </p:cNvPr>
@@ -2599,7 +2600,7 @@
           <p:cNvPr id="4" name="Text Placeholder 3">
             <a:extLst>
               <a:ext uri="{FF2B5EF4-FFF2-40B4-BE49-F238E27FC236}">
-                <a16:creationId xmlns:a16="http://schemas.microsoft.com/office/drawing/2014/main" id="{EDDDAD83-D758-47D3-BC50-43CAD2428C28}"/>
+                <a16:creationId xmlns:a16="http://schemas.microsoft.com/office/drawing/2014/main" xmlns="" id="{EDDDAD83-D758-47D3-BC50-43CAD2428C28}"/>
               </a:ext>
             </a:extLst>
           </p:cNvPr>
@@ -2670,7 +2671,7 @@
           <p:cNvPr id="5" name="Date Placeholder 4">
             <a:extLst>
               <a:ext uri="{FF2B5EF4-FFF2-40B4-BE49-F238E27FC236}">
-                <a16:creationId xmlns:a16="http://schemas.microsoft.com/office/drawing/2014/main" id="{9B0138D7-7ACB-45CF-BA59-9125EE561C96}"/>
+                <a16:creationId xmlns:a16="http://schemas.microsoft.com/office/drawing/2014/main" xmlns="" id="{9B0138D7-7ACB-45CF-BA59-9125EE561C96}"/>
               </a:ext>
             </a:extLst>
           </p:cNvPr>
@@ -2688,7 +2689,7 @@
           <a:p>
             <a:fld id="{A70B401E-77DD-4D90-BB00-0797DF48F6BD}" type="datetimeFigureOut">
               <a:rPr lang="en-GB" smtClean="0"/>
-              <a:t>05/03/2024</a:t>
+              <a:t>07/03/2024</a:t>
             </a:fld>
             <a:endParaRPr lang="en-GB"/>
           </a:p>
@@ -2699,7 +2700,7 @@
           <p:cNvPr id="6" name="Footer Placeholder 5">
             <a:extLst>
               <a:ext uri="{FF2B5EF4-FFF2-40B4-BE49-F238E27FC236}">
-                <a16:creationId xmlns:a16="http://schemas.microsoft.com/office/drawing/2014/main" id="{E46C8DCC-1C5D-4A10-84B8-B933B6F647EA}"/>
+                <a16:creationId xmlns:a16="http://schemas.microsoft.com/office/drawing/2014/main" xmlns="" id="{E46C8DCC-1C5D-4A10-84B8-B933B6F647EA}"/>
               </a:ext>
             </a:extLst>
           </p:cNvPr>
@@ -2724,7 +2725,7 @@
           <p:cNvPr id="7" name="Slide Number Placeholder 6">
             <a:extLst>
               <a:ext uri="{FF2B5EF4-FFF2-40B4-BE49-F238E27FC236}">
-                <a16:creationId xmlns:a16="http://schemas.microsoft.com/office/drawing/2014/main" id="{C12AA266-7F0E-40C9-9320-9375E7D6A823}"/>
+                <a16:creationId xmlns:a16="http://schemas.microsoft.com/office/drawing/2014/main" xmlns="" id="{C12AA266-7F0E-40C9-9320-9375E7D6A823}"/>
               </a:ext>
             </a:extLst>
           </p:cNvPr>
@@ -2788,7 +2789,7 @@
           <p:cNvPr id="2" name="Title Placeholder 1">
             <a:extLst>
               <a:ext uri="{FF2B5EF4-FFF2-40B4-BE49-F238E27FC236}">
-                <a16:creationId xmlns:a16="http://schemas.microsoft.com/office/drawing/2014/main" id="{89733D99-BB94-4F45-A67F-0457F39A9AC1}"/>
+                <a16:creationId xmlns:a16="http://schemas.microsoft.com/office/drawing/2014/main" xmlns="" id="{89733D99-BB94-4F45-A67F-0457F39A9AC1}"/>
               </a:ext>
             </a:extLst>
           </p:cNvPr>
@@ -2827,7 +2828,7 @@
           <p:cNvPr id="3" name="Text Placeholder 2">
             <a:extLst>
               <a:ext uri="{FF2B5EF4-FFF2-40B4-BE49-F238E27FC236}">
-                <a16:creationId xmlns:a16="http://schemas.microsoft.com/office/drawing/2014/main" id="{B8B42C01-3DB0-454E-9AA1-BF33E3916314}"/>
+                <a16:creationId xmlns:a16="http://schemas.microsoft.com/office/drawing/2014/main" xmlns="" id="{B8B42C01-3DB0-454E-9AA1-BF33E3916314}"/>
               </a:ext>
             </a:extLst>
           </p:cNvPr>
@@ -2895,7 +2896,7 @@
           <p:cNvPr id="4" name="Date Placeholder 3">
             <a:extLst>
               <a:ext uri="{FF2B5EF4-FFF2-40B4-BE49-F238E27FC236}">
-                <a16:creationId xmlns:a16="http://schemas.microsoft.com/office/drawing/2014/main" id="{FB4B2C27-37FA-4B90-BA7F-D51B22DF465D}"/>
+                <a16:creationId xmlns:a16="http://schemas.microsoft.com/office/drawing/2014/main" xmlns="" id="{FB4B2C27-37FA-4B90-BA7F-D51B22DF465D}"/>
               </a:ext>
             </a:extLst>
           </p:cNvPr>
@@ -2931,7 +2932,7 @@
           <a:p>
             <a:fld id="{A70B401E-77DD-4D90-BB00-0797DF48F6BD}" type="datetimeFigureOut">
               <a:rPr lang="en-GB" smtClean="0"/>
-              <a:t>05/03/2024</a:t>
+              <a:t>07/03/2024</a:t>
             </a:fld>
             <a:endParaRPr lang="en-GB"/>
           </a:p>
@@ -2942,7 +2943,7 @@
           <p:cNvPr id="5" name="Footer Placeholder 4">
             <a:extLst>
               <a:ext uri="{FF2B5EF4-FFF2-40B4-BE49-F238E27FC236}">
-                <a16:creationId xmlns:a16="http://schemas.microsoft.com/office/drawing/2014/main" id="{4FADFDE8-F7D7-42E0-A0A4-532D0E56D5D9}"/>
+                <a16:creationId xmlns:a16="http://schemas.microsoft.com/office/drawing/2014/main" xmlns="" id="{4FADFDE8-F7D7-42E0-A0A4-532D0E56D5D9}"/>
               </a:ext>
             </a:extLst>
           </p:cNvPr>
@@ -2985,7 +2986,7 @@
           <p:cNvPr id="6" name="Slide Number Placeholder 5">
             <a:extLst>
               <a:ext uri="{FF2B5EF4-FFF2-40B4-BE49-F238E27FC236}">
-                <a16:creationId xmlns:a16="http://schemas.microsoft.com/office/drawing/2014/main" id="{3149E053-5D80-4FA7-ABD3-EF2755F9BB39}"/>
+                <a16:creationId xmlns:a16="http://schemas.microsoft.com/office/drawing/2014/main" xmlns="" id="{3149E053-5D80-4FA7-ABD3-EF2755F9BB39}"/>
               </a:ext>
             </a:extLst>
           </p:cNvPr>
@@ -3353,7 +3354,7 @@
           <p:cNvPr id="5" name="Title 4">
             <a:extLst>
               <a:ext uri="{FF2B5EF4-FFF2-40B4-BE49-F238E27FC236}">
-                <a16:creationId xmlns:a16="http://schemas.microsoft.com/office/drawing/2014/main" id="{778973A5-4F2E-465B-A573-EAD458525D37}"/>
+                <a16:creationId xmlns:a16="http://schemas.microsoft.com/office/drawing/2014/main" xmlns="" id="{778973A5-4F2E-465B-A573-EAD458525D37}"/>
               </a:ext>
             </a:extLst>
           </p:cNvPr>
@@ -3382,7 +3383,7 @@
           <p:cNvPr id="6" name="Content Placeholder 5">
             <a:extLst>
               <a:ext uri="{FF2B5EF4-FFF2-40B4-BE49-F238E27FC236}">
-                <a16:creationId xmlns:a16="http://schemas.microsoft.com/office/drawing/2014/main" id="{3ABC3EBC-ABE3-43D4-A1D4-F5575F09C714}"/>
+                <a16:creationId xmlns:a16="http://schemas.microsoft.com/office/drawing/2014/main" xmlns="" id="{3ABC3EBC-ABE3-43D4-A1D4-F5575F09C714}"/>
               </a:ext>
             </a:extLst>
           </p:cNvPr>
@@ -3623,7 +3624,7 @@
           <p:cNvPr id="2" name="Title 1">
             <a:extLst>
               <a:ext uri="{FF2B5EF4-FFF2-40B4-BE49-F238E27FC236}">
-                <a16:creationId xmlns:a16="http://schemas.microsoft.com/office/drawing/2014/main" id="{1A80636A-0C49-432C-AACE-5232139EDEBE}"/>
+                <a16:creationId xmlns:a16="http://schemas.microsoft.com/office/drawing/2014/main" xmlns="" id="{1A80636A-0C49-432C-AACE-5232139EDEBE}"/>
               </a:ext>
             </a:extLst>
           </p:cNvPr>
@@ -3652,7 +3653,7 @@
           <p:cNvPr id="3" name="Content Placeholder 2">
             <a:extLst>
               <a:ext uri="{FF2B5EF4-FFF2-40B4-BE49-F238E27FC236}">
-                <a16:creationId xmlns:a16="http://schemas.microsoft.com/office/drawing/2014/main" id="{8A0A9D07-B612-4F07-9008-EC512124677A}"/>
+                <a16:creationId xmlns:a16="http://schemas.microsoft.com/office/drawing/2014/main" xmlns="" id="{8A0A9D07-B612-4F07-9008-EC512124677A}"/>
               </a:ext>
             </a:extLst>
           </p:cNvPr>
@@ -3744,6 +3745,225 @@
     <p:extLst>
       <p:ext uri="{BB962C8B-B14F-4D97-AF65-F5344CB8AC3E}">
         <p14:creationId xmlns:p14="http://schemas.microsoft.com/office/powerpoint/2010/main" val="2821565613"/>
+      </p:ext>
+    </p:extLst>
+  </p:cSld>
+  <p:clrMapOvr>
+    <a:masterClrMapping/>
+  </p:clrMapOvr>
+</p:sld>
+</file>
+
+<file path=ppt/slides/slide3.xml><?xml version="1.0" encoding="utf-8"?>
+<p:sld xmlns:a="http://schemas.openxmlformats.org/drawingml/2006/main" xmlns:r="http://schemas.openxmlformats.org/officeDocument/2006/relationships" xmlns:p="http://schemas.openxmlformats.org/presentationml/2006/main">
+  <p:cSld>
+    <p:spTree>
+      <p:nvGrpSpPr>
+        <p:cNvPr id="1" name=""/>
+        <p:cNvGrpSpPr/>
+        <p:nvPr/>
+      </p:nvGrpSpPr>
+      <p:grpSpPr>
+        <a:xfrm>
+          <a:off x="0" y="0"/>
+          <a:ext cx="0" cy="0"/>
+          <a:chOff x="0" y="0"/>
+          <a:chExt cx="0" cy="0"/>
+        </a:xfrm>
+      </p:grpSpPr>
+      <p:sp>
+        <p:nvSpPr>
+          <p:cNvPr id="2" name="Tytuł 1"/>
+          <p:cNvSpPr>
+            <a:spLocks noGrp="1"/>
+          </p:cNvSpPr>
+          <p:nvPr>
+            <p:ph type="title"/>
+          </p:nvPr>
+        </p:nvSpPr>
+        <p:spPr/>
+        <p:txBody>
+          <a:bodyPr/>
+          <a:lstStyle/>
+          <a:p>
+            <a:r>
+              <a:rPr lang="pl-PL" dirty="0" smtClean="0"/>
+              <a:t>07/03/2024</a:t>
+            </a:r>
+            <a:endParaRPr lang="en-GB" dirty="0"/>
+          </a:p>
+        </p:txBody>
+      </p:sp>
+      <p:sp>
+        <p:nvSpPr>
+          <p:cNvPr id="3" name="Symbol zastępczy zawartości 2"/>
+          <p:cNvSpPr>
+            <a:spLocks noGrp="1"/>
+          </p:cNvSpPr>
+          <p:nvPr>
+            <p:ph idx="1"/>
+          </p:nvPr>
+        </p:nvSpPr>
+        <p:spPr/>
+        <p:txBody>
+          <a:bodyPr/>
+          <a:lstStyle/>
+          <a:p>
+            <a:r>
+              <a:rPr lang="pl-PL" dirty="0" err="1" smtClean="0"/>
+              <a:t>Issues</a:t>
+            </a:r>
+            <a:r>
+              <a:rPr lang="pl-PL" dirty="0" smtClean="0"/>
+              <a:t>:</a:t>
+            </a:r>
+          </a:p>
+          <a:p>
+            <a:pPr lvl="1"/>
+            <a:r>
+              <a:rPr lang="pl-PL" dirty="0" smtClean="0"/>
+              <a:t>N </a:t>
+            </a:r>
+            <a:r>
+              <a:rPr lang="pl-PL" dirty="0" err="1" smtClean="0"/>
+              <a:t>calculations</a:t>
+            </a:r>
+            <a:r>
+              <a:rPr lang="pl-PL" dirty="0" smtClean="0"/>
+              <a:t> </a:t>
+            </a:r>
+            <a:r>
+              <a:rPr lang="pl-PL" dirty="0" err="1" smtClean="0"/>
+              <a:t>are</a:t>
+            </a:r>
+            <a:r>
+              <a:rPr lang="pl-PL" dirty="0" smtClean="0"/>
+              <a:t> </a:t>
+            </a:r>
+            <a:r>
+              <a:rPr lang="pl-PL" dirty="0" err="1" smtClean="0"/>
+              <a:t>still</a:t>
+            </a:r>
+            <a:r>
+              <a:rPr lang="pl-PL" dirty="0" smtClean="0"/>
+              <a:t> a bit </a:t>
+            </a:r>
+            <a:r>
+              <a:rPr lang="pl-PL" dirty="0" err="1" smtClean="0"/>
+              <a:t>wobbly</a:t>
+            </a:r>
+            <a:r>
+              <a:rPr lang="pl-PL" dirty="0" smtClean="0"/>
+              <a:t>, for </a:t>
+            </a:r>
+            <a:r>
+              <a:rPr lang="pl-PL" dirty="0" err="1" smtClean="0"/>
+              <a:t>example</a:t>
+            </a:r>
+            <a:r>
+              <a:rPr lang="pl-PL" dirty="0" smtClean="0"/>
+              <a:t> </a:t>
+            </a:r>
+            <a:r>
+              <a:rPr lang="pl-PL" dirty="0" err="1" smtClean="0"/>
+              <a:t>look</a:t>
+            </a:r>
+            <a:r>
+              <a:rPr lang="pl-PL" dirty="0" smtClean="0"/>
+              <a:t> </a:t>
+            </a:r>
+            <a:r>
+              <a:rPr lang="pl-PL" dirty="0" err="1" smtClean="0"/>
+              <a:t>at</a:t>
+            </a:r>
+            <a:r>
+              <a:rPr lang="pl-PL" dirty="0"/>
+              <a:t> „</a:t>
+            </a:r>
+            <a:r>
+              <a:rPr lang="pl-PL" dirty="0" smtClean="0"/>
+              <a:t>CP116284.1_extraction.fasta” </a:t>
+            </a:r>
+            <a:r>
+              <a:rPr lang="pl-PL" dirty="0" err="1" smtClean="0"/>
+              <a:t>that</a:t>
+            </a:r>
+            <a:r>
+              <a:rPr lang="pl-PL" dirty="0" smtClean="0"/>
+              <a:t> </a:t>
+            </a:r>
+            <a:r>
+              <a:rPr lang="pl-PL" dirty="0" err="1" smtClean="0"/>
+              <a:t>contains</a:t>
+            </a:r>
+            <a:r>
+              <a:rPr lang="pl-PL" dirty="0" smtClean="0"/>
+              <a:t> </a:t>
+            </a:r>
+            <a:r>
+              <a:rPr lang="pl-PL" dirty="0" err="1" smtClean="0"/>
+              <a:t>rather</a:t>
+            </a:r>
+            <a:r>
+              <a:rPr lang="pl-PL" dirty="0" smtClean="0"/>
+              <a:t> </a:t>
+            </a:r>
+            <a:r>
+              <a:rPr lang="pl-PL" dirty="0" err="1" smtClean="0"/>
+              <a:t>clear</a:t>
+            </a:r>
+            <a:r>
+              <a:rPr lang="pl-PL" dirty="0" smtClean="0"/>
+              <a:t> 500 bp 5s </a:t>
+            </a:r>
+            <a:r>
+              <a:rPr lang="pl-PL" dirty="0" err="1" smtClean="0"/>
+              <a:t>array</a:t>
+            </a:r>
+            <a:r>
+              <a:rPr lang="pl-PL" dirty="0" smtClean="0"/>
+              <a:t>, but </a:t>
+            </a:r>
+            <a:r>
+              <a:rPr lang="pl-PL" dirty="0" err="1" smtClean="0"/>
+              <a:t>can</a:t>
+            </a:r>
+            <a:r>
+              <a:rPr lang="pl-PL" dirty="0" smtClean="0"/>
+              <a:t> be </a:t>
+            </a:r>
+            <a:r>
+              <a:rPr lang="pl-PL" dirty="0" err="1" smtClean="0"/>
+              <a:t>identified</a:t>
+            </a:r>
+            <a:r>
+              <a:rPr lang="pl-PL" dirty="0" smtClean="0"/>
+              <a:t> as 130 </a:t>
+            </a:r>
+            <a:r>
+              <a:rPr lang="pl-PL" dirty="0" err="1" smtClean="0"/>
+              <a:t>or</a:t>
+            </a:r>
+            <a:r>
+              <a:rPr lang="pl-PL" dirty="0" smtClean="0"/>
+              <a:t> 300 </a:t>
+            </a:r>
+            <a:r>
+              <a:rPr lang="pl-PL" dirty="0" err="1" smtClean="0"/>
+              <a:t>somehow</a:t>
+            </a:r>
+            <a:endParaRPr lang="pl-PL" dirty="0" smtClean="0"/>
+          </a:p>
+          <a:p>
+            <a:pPr lvl="1"/>
+            <a:endParaRPr lang="en-GB" dirty="0"/>
+          </a:p>
+        </p:txBody>
+      </p:sp>
+    </p:spTree>
+    <p:extLst>
+      <p:ext uri="{BB962C8B-B14F-4D97-AF65-F5344CB8AC3E}">
+        <p14:creationId xmlns:p14="http://schemas.microsoft.com/office/powerpoint/2010/main" val="867340533"/>
       </p:ext>
     </p:extLst>
   </p:cSld>
